--- a/Blogs/Computer/posts/Programming/Julia/julia_syntax_basics/figures/scheme_of_five_network_layers.pptx
+++ b/Blogs/Computer/posts/Programming/Julia/julia_syntax_basics/figures/scheme_of_five_network_layers.pptx
@@ -2773,7 +2773,7 @@
         <a:spcAft>
           <a:spcPts val="1000"/>
         </a:spcAft>
-        <a:buFont typeface="Arial" panose="020B0604020202020204" pitchFamily="34" charset="0"/>
+        <a:buFont typeface="Arial" panose="020B0604020202090204" pitchFamily="34" charset="0"/>
         <a:buChar char="●"/>
         <a:defRPr sz="1800" u="none" strike="noStrike" kern="1200" cap="none" spc="150" normalizeH="0" baseline="0">
           <a:solidFill>
@@ -2798,7 +2798,7 @@
         <a:spcAft>
           <a:spcPts val="600"/>
         </a:spcAft>
-        <a:buFont typeface="Arial" panose="020B0604020202020204" pitchFamily="34" charset="0"/>
+        <a:buFont typeface="Arial" panose="020B0604020202090204" pitchFamily="34" charset="0"/>
         <a:buChar char="●"/>
         <a:tabLst>
           <a:tab pos="1609725" algn="l"/>
@@ -2829,7 +2829,7 @@
         <a:spcAft>
           <a:spcPts val="600"/>
         </a:spcAft>
-        <a:buFont typeface="Arial" panose="020B0604020202020204" pitchFamily="34" charset="0"/>
+        <a:buFont typeface="Arial" panose="020B0604020202090204" pitchFamily="34" charset="0"/>
         <a:buChar char="●"/>
         <a:defRPr sz="1600" u="none" strike="noStrike" kern="1200" cap="none" spc="150" normalizeH="0" baseline="0">
           <a:solidFill>
@@ -2879,7 +2879,7 @@
         <a:spcAft>
           <a:spcPts val="300"/>
         </a:spcAft>
-        <a:buFont typeface="Arial" panose="020B0604020202020204" pitchFamily="34" charset="0"/>
+        <a:buFont typeface="Arial" panose="020B0604020202090204" pitchFamily="34" charset="0"/>
         <a:buChar char="•"/>
         <a:defRPr sz="1400" u="none" strike="noStrike" kern="1200" cap="none" spc="150" normalizeH="0" baseline="0">
           <a:solidFill>
@@ -2901,7 +2901,7 @@
         <a:spcBef>
           <a:spcPts val="500"/>
         </a:spcBef>
-        <a:buFont typeface="Arial" panose="020B0604020202020204" pitchFamily="34" charset="0"/>
+        <a:buFont typeface="Arial" panose="020B0604020202090204" pitchFamily="34" charset="0"/>
         <a:buChar char="•"/>
         <a:defRPr sz="1800" kern="1200">
           <a:solidFill>
@@ -2919,7 +2919,7 @@
         <a:spcBef>
           <a:spcPts val="500"/>
         </a:spcBef>
-        <a:buFont typeface="Arial" panose="020B0604020202020204" pitchFamily="34" charset="0"/>
+        <a:buFont typeface="Arial" panose="020B0604020202090204" pitchFamily="34" charset="0"/>
         <a:buChar char="•"/>
         <a:defRPr sz="1800" kern="1200">
           <a:solidFill>
@@ -2937,7 +2937,7 @@
         <a:spcBef>
           <a:spcPts val="500"/>
         </a:spcBef>
-        <a:buFont typeface="Arial" panose="020B0604020202020204" pitchFamily="34" charset="0"/>
+        <a:buFont typeface="Arial" panose="020B0604020202090204" pitchFamily="34" charset="0"/>
         <a:buChar char="•"/>
         <a:defRPr sz="1800" kern="1200">
           <a:solidFill>
@@ -2955,7 +2955,7 @@
         <a:spcBef>
           <a:spcPts val="500"/>
         </a:spcBef>
-        <a:buFont typeface="Arial" panose="020B0604020202020204" pitchFamily="34" charset="0"/>
+        <a:buFont typeface="Arial" panose="020B0604020202090204" pitchFamily="34" charset="0"/>
         <a:buChar char="•"/>
         <a:defRPr sz="1800" kern="1200">
           <a:solidFill>
@@ -5481,7 +5481,7 @@
         <p:spPr>
           <a:xfrm>
             <a:off x="5992495" y="5245735"/>
-            <a:ext cx="5775325" cy="675640"/>
+            <a:ext cx="5916295" cy="675640"/>
           </a:xfrm>
           <a:prstGeom prst="rect">
             <a:avLst/>
@@ -5498,7 +5498,7 @@
               <a:rPr lang="en-US" altLang="zh-CN" sz="2400" b="1">
                 <a:cs typeface="+mn-lt"/>
               </a:rPr>
-              <a:t>Protocol driving computer networking</a:t>
+              <a:t>Protocol-driven computer networking</a:t>
             </a:r>
             <a:endParaRPr lang="en-US" altLang="zh-CN" sz="2400" b="1">
               <a:cs typeface="+mn-lt"/>
@@ -5510,7 +5510,7 @@
               <a:rPr lang="en-US" altLang="zh-CN" sz="1400">
                 <a:cs typeface="+mn-lt"/>
               </a:rPr>
-              <a:t>Protocols are implemented either in sorfwares or in hardwares or both</a:t>
+              <a:t>Protocols are implemented either in sorfwares or in hardwares or in both</a:t>
             </a:r>
             <a:endParaRPr lang="en-US" altLang="zh-CN" sz="1400">
               <a:cs typeface="+mn-lt"/>
